--- a/praesentationen/Zwischenpräsentation_Relaunch_RZ_28.7.15.pptx
+++ b/praesentationen/Zwischenpräsentation_Relaunch_RZ_28.7.15.pptx
@@ -5,21 +5,20 @@
     <p:sldMasterId id="2147483648" r:id="rId1"/>
   </p:sldMasterIdLst>
   <p:notesMasterIdLst>
-    <p:notesMasterId r:id="rId11"/>
+    <p:notesMasterId r:id="rId10"/>
   </p:notesMasterIdLst>
   <p:handoutMasterIdLst>
-    <p:handoutMasterId r:id="rId12"/>
+    <p:handoutMasterId r:id="rId11"/>
   </p:handoutMasterIdLst>
   <p:sldIdLst>
     <p:sldId id="256" r:id="rId2"/>
-    <p:sldId id="257" r:id="rId3"/>
-    <p:sldId id="264" r:id="rId4"/>
-    <p:sldId id="258" r:id="rId5"/>
-    <p:sldId id="259" r:id="rId6"/>
-    <p:sldId id="260" r:id="rId7"/>
-    <p:sldId id="261" r:id="rId8"/>
-    <p:sldId id="262" r:id="rId9"/>
-    <p:sldId id="263" r:id="rId10"/>
+    <p:sldId id="264" r:id="rId3"/>
+    <p:sldId id="258" r:id="rId4"/>
+    <p:sldId id="259" r:id="rId5"/>
+    <p:sldId id="260" r:id="rId6"/>
+    <p:sldId id="261" r:id="rId7"/>
+    <p:sldId id="262" r:id="rId8"/>
+    <p:sldId id="263" r:id="rId9"/>
   </p:sldIdLst>
   <p:sldSz cx="9144000" cy="6858000" type="screen4x3"/>
   <p:notesSz cx="6858000" cy="9144000"/>
@@ -2945,27 +2944,22 @@
       </p:grpSpPr>
       <p:sp>
         <p:nvSpPr>
-          <p:cNvPr id="6" name="Titel 5"/>
+          <p:cNvPr id="2" name="Titel 1"/>
           <p:cNvSpPr>
             <a:spLocks noGrp="1"/>
           </p:cNvSpPr>
           <p:nvPr>
-            <p:ph type="ctrTitle"/>
+            <p:ph type="title"/>
           </p:nvPr>
         </p:nvSpPr>
-        <p:spPr>
-          <a:xfrm>
-            <a:off x="1333872" y="3356992"/>
-            <a:ext cx="7198568" cy="1470025"/>
-          </a:xfrm>
-        </p:spPr>
+        <p:spPr/>
         <p:txBody>
           <a:bodyPr/>
           <a:lstStyle/>
           <a:p>
             <a:r>
               <a:rPr lang="de-DE" dirty="0" smtClean="0"/>
-              <a:t>Bisher geleistete Arbeiten </a:t>
+              <a:t>Bisher geleistete Arbeiten</a:t>
             </a:r>
             <a:endParaRPr lang="de-DE" dirty="0"/>
           </a:p>
@@ -2989,89 +2983,6 @@
             <a:fld id="{1D15E316-D31A-4C08-AC2E-81A99B71FECA}" type="slidenum">
               <a:rPr lang="de-DE" smtClean="0"/>
               <a:t>2</a:t>
-            </a:fld>
-            <a:endParaRPr lang="de-DE"/>
-          </a:p>
-        </p:txBody>
-      </p:sp>
-    </p:spTree>
-    <p:extLst>
-      <p:ext uri="{BB962C8B-B14F-4D97-AF65-F5344CB8AC3E}">
-        <p14:creationId xmlns:p14="http://schemas.microsoft.com/office/powerpoint/2010/main" val="491705403"/>
-      </p:ext>
-    </p:extLst>
-  </p:cSld>
-  <p:clrMapOvr>
-    <a:masterClrMapping/>
-  </p:clrMapOvr>
-  <p:timing>
-    <p:tnLst>
-      <p:par>
-        <p:cTn id="1" dur="indefinite" restart="never" nodeType="tmRoot"/>
-      </p:par>
-    </p:tnLst>
-  </p:timing>
-</p:sld>
-</file>
-
-<file path=ppt/slides/slide3.xml><?xml version="1.0" encoding="utf-8"?>
-<p:sld xmlns:a="http://schemas.openxmlformats.org/drawingml/2006/main" xmlns:r="http://schemas.openxmlformats.org/officeDocument/2006/relationships" xmlns:p="http://schemas.openxmlformats.org/presentationml/2006/main">
-  <p:cSld>
-    <p:spTree>
-      <p:nvGrpSpPr>
-        <p:cNvPr id="1" name=""/>
-        <p:cNvGrpSpPr/>
-        <p:nvPr/>
-      </p:nvGrpSpPr>
-      <p:grpSpPr>
-        <a:xfrm>
-          <a:off x="0" y="0"/>
-          <a:ext cx="0" cy="0"/>
-          <a:chOff x="0" y="0"/>
-          <a:chExt cx="0" cy="0"/>
-        </a:xfrm>
-      </p:grpSpPr>
-      <p:sp>
-        <p:nvSpPr>
-          <p:cNvPr id="2" name="Titel 1"/>
-          <p:cNvSpPr>
-            <a:spLocks noGrp="1"/>
-          </p:cNvSpPr>
-          <p:nvPr>
-            <p:ph type="title"/>
-          </p:nvPr>
-        </p:nvSpPr>
-        <p:spPr/>
-        <p:txBody>
-          <a:bodyPr/>
-          <a:lstStyle/>
-          <a:p>
-            <a:r>
-              <a:rPr lang="de-DE" dirty="0" smtClean="0"/>
-              <a:t>Durchgeführte Schritte </a:t>
-            </a:r>
-            <a:endParaRPr lang="de-DE" dirty="0"/>
-          </a:p>
-        </p:txBody>
-      </p:sp>
-      <p:sp>
-        <p:nvSpPr>
-          <p:cNvPr id="4" name="Foliennummernplatzhalter 3"/>
-          <p:cNvSpPr>
-            <a:spLocks noGrp="1"/>
-          </p:cNvSpPr>
-          <p:nvPr>
-            <p:ph type="sldNum" sz="quarter" idx="11"/>
-          </p:nvPr>
-        </p:nvSpPr>
-        <p:spPr/>
-        <p:txBody>
-          <a:bodyPr/>
-          <a:lstStyle/>
-          <a:p>
-            <a:fld id="{1D15E316-D31A-4C08-AC2E-81A99B71FECA}" type="slidenum">
-              <a:rPr lang="de-DE" smtClean="0"/>
-              <a:t>3</a:t>
             </a:fld>
             <a:endParaRPr lang="de-DE"/>
           </a:p>
@@ -3474,7 +3385,7 @@
 </p:sld>
 </file>
 
-<file path=ppt/slides/slide4.xml><?xml version="1.0" encoding="utf-8"?>
+<file path=ppt/slides/slide3.xml><?xml version="1.0" encoding="utf-8"?>
 <p:sld xmlns:a="http://schemas.openxmlformats.org/drawingml/2006/main" xmlns:r="http://schemas.openxmlformats.org/officeDocument/2006/relationships" xmlns:p="http://schemas.openxmlformats.org/presentationml/2006/main">
   <p:cSld>
     <p:spTree>
@@ -3648,7 +3559,7 @@
           <a:p>
             <a:fld id="{1D15E316-D31A-4C08-AC2E-81A99B71FECA}" type="slidenum">
               <a:rPr lang="de-DE" smtClean="0"/>
-              <a:t>4</a:t>
+              <a:t>3</a:t>
             </a:fld>
             <a:endParaRPr lang="de-DE"/>
           </a:p>
@@ -3698,7 +3609,7 @@
 </p:sld>
 </file>
 
-<file path=ppt/slides/slide5.xml><?xml version="1.0" encoding="utf-8"?>
+<file path=ppt/slides/slide4.xml><?xml version="1.0" encoding="utf-8"?>
 <p:sld xmlns:a="http://schemas.openxmlformats.org/drawingml/2006/main" xmlns:r="http://schemas.openxmlformats.org/officeDocument/2006/relationships" xmlns:p="http://schemas.openxmlformats.org/presentationml/2006/main">
   <p:cSld>
     <p:spTree>
@@ -3834,7 +3745,7 @@
           <a:p>
             <a:fld id="{1D15E316-D31A-4C08-AC2E-81A99B71FECA}" type="slidenum">
               <a:rPr lang="de-DE" smtClean="0"/>
-              <a:t>5</a:t>
+              <a:t>4</a:t>
             </a:fld>
             <a:endParaRPr lang="de-DE"/>
           </a:p>
@@ -3884,7 +3795,7 @@
 </p:sld>
 </file>
 
-<file path=ppt/slides/slide6.xml><?xml version="1.0" encoding="utf-8"?>
+<file path=ppt/slides/slide5.xml><?xml version="1.0" encoding="utf-8"?>
 <p:sld xmlns:a="http://schemas.openxmlformats.org/drawingml/2006/main" xmlns:r="http://schemas.openxmlformats.org/officeDocument/2006/relationships" xmlns:p="http://schemas.openxmlformats.org/presentationml/2006/main">
   <p:cSld>
     <p:spTree>
@@ -3930,7 +3841,11 @@
             </a:r>
             <a:r>
               <a:rPr lang="de-DE" dirty="0" smtClean="0"/>
-              <a:t> (Studenten) </a:t>
+              <a:t> </a:t>
+            </a:r>
+            <a:r>
+              <a:rPr lang="de-DE" dirty="0" smtClean="0"/>
+              <a:t>(Studenten) </a:t>
             </a:r>
             <a:endParaRPr lang="de-DE" dirty="0"/>
           </a:p>
@@ -3978,6 +3893,7 @@
               <a:rPr lang="de-DE" dirty="0" smtClean="0"/>
               <a:t>Durchführung in allen Cafeterien der Universität Regensburg </a:t>
             </a:r>
+            <a:endParaRPr lang="de-DE" dirty="0" smtClean="0"/>
           </a:p>
           <a:p>
             <a:pPr marL="1028700" lvl="1">
@@ -3986,8 +3902,9 @@
             </a:pPr>
             <a:r>
               <a:rPr lang="de-DE" dirty="0" smtClean="0"/>
-              <a:t>Durchschnittsalter 23,05 Jahre </a:t>
-            </a:r>
+              <a:t>Abschließendes Interview </a:t>
+            </a:r>
+            <a:endParaRPr lang="de-DE" dirty="0" smtClean="0"/>
           </a:p>
           <a:p>
             <a:pPr marL="1028700" lvl="1">
@@ -3996,22 +3913,7 @@
             </a:pPr>
             <a:r>
               <a:rPr lang="de-DE" dirty="0" smtClean="0"/>
-              <a:t>Studenten aus allen Fachrichtungen </a:t>
-            </a:r>
-          </a:p>
-          <a:p>
-            <a:pPr indent="0"/>
-            <a:endParaRPr lang="de-DE" sz="1800" dirty="0"/>
-          </a:p>
-          <a:p>
-            <a:pPr indent="0"/>
-            <a:endParaRPr lang="de-DE" sz="1800" dirty="0" smtClean="0"/>
-          </a:p>
-          <a:p>
-            <a:pPr indent="0"/>
-            <a:r>
-              <a:rPr lang="de-DE" sz="1800" dirty="0" smtClean="0"/>
-              <a:t>Ergebnisse </a:t>
+              <a:t>Durchschnittsalter 23,05 Jahre </a:t>
             </a:r>
           </a:p>
           <a:p>
@@ -4021,7 +3923,22 @@
             </a:pPr>
             <a:r>
               <a:rPr lang="de-DE" dirty="0" smtClean="0"/>
-              <a:t>Passwort ändern und Geräteregistrierung am häufigsten verwendet </a:t>
+              <a:t>Studenten aus allen Fachrichtungen </a:t>
+            </a:r>
+          </a:p>
+          <a:p>
+            <a:pPr indent="0"/>
+            <a:endParaRPr lang="de-DE" sz="1800" dirty="0"/>
+          </a:p>
+          <a:p>
+            <a:pPr indent="0"/>
+            <a:endParaRPr lang="de-DE" sz="1800" dirty="0" smtClean="0"/>
+          </a:p>
+          <a:p>
+            <a:pPr indent="0"/>
+            <a:r>
+              <a:rPr lang="de-DE" sz="1800" dirty="0" smtClean="0"/>
+              <a:t>Ergebnisse </a:t>
             </a:r>
           </a:p>
           <a:p>
@@ -4031,6 +3948,16 @@
             </a:pPr>
             <a:r>
               <a:rPr lang="de-DE" dirty="0" smtClean="0"/>
+              <a:t>Passwort ändern und Geräteregistrierung am häufigsten verwendet </a:t>
+            </a:r>
+          </a:p>
+          <a:p>
+            <a:pPr marL="1028700" lvl="1">
+              <a:buFont typeface="Arial" charset="0"/>
+              <a:buChar char="•"/>
+            </a:pPr>
+            <a:r>
+              <a:rPr lang="de-DE" dirty="0" smtClean="0"/>
               <a:t>Smartphone </a:t>
             </a:r>
             <a:r>
@@ -4045,7 +3972,6 @@
               <a:rPr lang="de-DE" dirty="0" smtClean="0"/>
               <a:t>, Linux, Apple on Campus selten verwendet </a:t>
             </a:r>
-            <a:endParaRPr lang="de-DE" dirty="0" smtClean="0"/>
           </a:p>
           <a:p>
             <a:pPr marL="1028700" lvl="1">
@@ -4080,7 +4006,7 @@
           <a:p>
             <a:fld id="{1D15E316-D31A-4C08-AC2E-81A99B71FECA}" type="slidenum">
               <a:rPr lang="de-DE" smtClean="0"/>
-              <a:t>6</a:t>
+              <a:t>5</a:t>
             </a:fld>
             <a:endParaRPr lang="de-DE"/>
           </a:p>
@@ -4130,7 +4056,7 @@
 </p:sld>
 </file>
 
-<file path=ppt/slides/slide7.xml><?xml version="1.0" encoding="utf-8"?>
+<file path=ppt/slides/slide6.xml><?xml version="1.0" encoding="utf-8"?>
 <p:sld xmlns:a="http://schemas.openxmlformats.org/drawingml/2006/main" xmlns:r="http://schemas.openxmlformats.org/officeDocument/2006/relationships" xmlns:p="http://schemas.openxmlformats.org/presentationml/2006/main">
   <p:cSld>
     <p:spTree>
@@ -4238,6 +4164,7 @@
               <a:rPr lang="de-DE" dirty="0" smtClean="0"/>
               <a:t>Durchschnittsalter Jahre </a:t>
             </a:r>
+            <a:endParaRPr lang="de-DE" dirty="0" smtClean="0"/>
           </a:p>
           <a:p>
             <a:pPr marL="1028700" lvl="1">
@@ -4246,20 +4173,9 @@
             </a:pPr>
             <a:r>
               <a:rPr lang="de-DE" dirty="0" smtClean="0"/>
-              <a:t>Mitarbeiter aus verschiedenen Aufgabenbereichen </a:t>
-            </a:r>
-            <a:endParaRPr lang="de-DE" sz="1800" dirty="0"/>
-          </a:p>
-          <a:p>
-            <a:pPr indent="0"/>
-            <a:endParaRPr lang="de-DE" sz="1800" dirty="0" smtClean="0"/>
-          </a:p>
-          <a:p>
-            <a:pPr indent="0"/>
-            <a:r>
-              <a:rPr lang="de-DE" sz="1800" dirty="0" smtClean="0"/>
-              <a:t>Ergebnisse </a:t>
-            </a:r>
+              <a:t>Abschließendes Interview </a:t>
+            </a:r>
+            <a:endParaRPr lang="de-DE" dirty="0" smtClean="0"/>
           </a:p>
           <a:p>
             <a:pPr marL="1028700" lvl="1">
@@ -4268,7 +4184,19 @@
             </a:pPr>
             <a:r>
               <a:rPr lang="de-DE" dirty="0" smtClean="0"/>
-              <a:t>Passwort ändern und Geräteregistrierung am häufigsten verwendet </a:t>
+              <a:t>Mitarbeiter aus verschiedenen Aufgabenbereichen </a:t>
+            </a:r>
+            <a:endParaRPr lang="de-DE" sz="1800" dirty="0"/>
+          </a:p>
+          <a:p>
+            <a:pPr indent="0"/>
+            <a:endParaRPr lang="de-DE" sz="1800" dirty="0" smtClean="0"/>
+          </a:p>
+          <a:p>
+            <a:pPr indent="0"/>
+            <a:r>
+              <a:rPr lang="de-DE" sz="1800" dirty="0" smtClean="0"/>
+              <a:t>Ergebnisse </a:t>
             </a:r>
           </a:p>
           <a:p>
@@ -4278,6 +4206,16 @@
             </a:pPr>
             <a:r>
               <a:rPr lang="de-DE" dirty="0" smtClean="0"/>
+              <a:t>Passwort ändern und Geräteregistrierung am häufigsten verwendet </a:t>
+            </a:r>
+          </a:p>
+          <a:p>
+            <a:pPr marL="1028700" lvl="1">
+              <a:buFont typeface="Arial" charset="0"/>
+              <a:buChar char="•"/>
+            </a:pPr>
+            <a:r>
+              <a:rPr lang="de-DE" dirty="0" smtClean="0"/>
               <a:t>Smartphone </a:t>
             </a:r>
             <a:r>
@@ -4292,7 +4230,6 @@
               <a:rPr lang="de-DE" dirty="0" smtClean="0"/>
               <a:t>, Linux, Apple on Campus selten verwendet </a:t>
             </a:r>
-            <a:endParaRPr lang="de-DE" dirty="0" smtClean="0"/>
           </a:p>
           <a:p>
             <a:pPr marL="1028700" lvl="1">
@@ -4327,7 +4264,7 @@
           <a:p>
             <a:fld id="{1D15E316-D31A-4C08-AC2E-81A99B71FECA}" type="slidenum">
               <a:rPr lang="de-DE" smtClean="0"/>
-              <a:t>7</a:t>
+              <a:t>6</a:t>
             </a:fld>
             <a:endParaRPr lang="de-DE"/>
           </a:p>
@@ -4377,6 +4314,232 @@
 </p:sld>
 </file>
 
+<file path=ppt/slides/slide7.xml><?xml version="1.0" encoding="utf-8"?>
+<p:sld xmlns:a="http://schemas.openxmlformats.org/drawingml/2006/main" xmlns:r="http://schemas.openxmlformats.org/officeDocument/2006/relationships" xmlns:p="http://schemas.openxmlformats.org/presentationml/2006/main">
+  <p:cSld>
+    <p:spTree>
+      <p:nvGrpSpPr>
+        <p:cNvPr id="1" name=""/>
+        <p:cNvGrpSpPr/>
+        <p:nvPr/>
+      </p:nvGrpSpPr>
+      <p:grpSpPr>
+        <a:xfrm>
+          <a:off x="0" y="0"/>
+          <a:ext cx="0" cy="0"/>
+          <a:chOff x="0" y="0"/>
+          <a:chExt cx="0" cy="0"/>
+        </a:xfrm>
+      </p:grpSpPr>
+      <p:sp>
+        <p:nvSpPr>
+          <p:cNvPr id="2" name="Titel 1"/>
+          <p:cNvSpPr>
+            <a:spLocks noGrp="1"/>
+          </p:cNvSpPr>
+          <p:nvPr>
+            <p:ph type="title"/>
+          </p:nvPr>
+        </p:nvSpPr>
+        <p:spPr/>
+        <p:txBody>
+          <a:bodyPr/>
+          <a:lstStyle/>
+          <a:p>
+            <a:r>
+              <a:rPr lang="de-DE" dirty="0" smtClean="0"/>
+              <a:t>SRS-Dokument </a:t>
+            </a:r>
+            <a:endParaRPr lang="de-DE" dirty="0"/>
+          </a:p>
+        </p:txBody>
+      </p:sp>
+      <p:sp>
+        <p:nvSpPr>
+          <p:cNvPr id="3" name="Inhaltsplatzhalter 2"/>
+          <p:cNvSpPr>
+            <a:spLocks noGrp="1"/>
+          </p:cNvSpPr>
+          <p:nvPr>
+            <p:ph sz="half" idx="1"/>
+          </p:nvPr>
+        </p:nvSpPr>
+        <p:spPr>
+          <a:xfrm>
+            <a:off x="1331640" y="2348880"/>
+            <a:ext cx="7200800" cy="3960440"/>
+          </a:xfrm>
+        </p:spPr>
+        <p:txBody>
+          <a:bodyPr/>
+          <a:lstStyle/>
+          <a:p>
+            <a:pPr marL="285750" indent="-285750">
+              <a:buFont typeface="Arial" charset="0"/>
+              <a:buChar char="•"/>
+            </a:pPr>
+            <a:r>
+              <a:rPr lang="de-DE" sz="1800" dirty="0" smtClean="0"/>
+              <a:t>Ursprüngliches SRS-Template ungeeignet, da keine Software-Entwicklung</a:t>
+            </a:r>
+          </a:p>
+          <a:p>
+            <a:pPr marL="285750" indent="-285750">
+              <a:buFont typeface="Arial" charset="0"/>
+              <a:buChar char="•"/>
+            </a:pPr>
+            <a:r>
+              <a:rPr lang="de-DE" sz="1800" dirty="0" smtClean="0"/>
+              <a:t>Kombination SRS und CISU-R (Industriespezifikation für Usability)</a:t>
+            </a:r>
+          </a:p>
+          <a:p>
+            <a:pPr marL="1028700" lvl="1">
+              <a:buFont typeface="Symbol" charset="2"/>
+              <a:buChar char="Þ"/>
+            </a:pPr>
+            <a:r>
+              <a:rPr lang="de-DE" dirty="0" smtClean="0"/>
+              <a:t>Angemessene Definition der Projektziele und des geplanten Projektverlaufs</a:t>
+            </a:r>
+          </a:p>
+          <a:p>
+            <a:pPr indent="0"/>
+            <a:endParaRPr lang="de-DE" dirty="0" smtClean="0"/>
+          </a:p>
+          <a:p>
+            <a:pPr indent="0"/>
+            <a:endParaRPr lang="de-DE" dirty="0"/>
+          </a:p>
+          <a:p>
+            <a:pPr indent="0"/>
+            <a:r>
+              <a:rPr lang="de-DE" sz="1800" dirty="0" smtClean="0"/>
+              <a:t>Ziele des Projektes definiert durch SRS:</a:t>
+            </a:r>
+          </a:p>
+          <a:p>
+            <a:pPr marL="1028700" lvl="1">
+              <a:buFont typeface="Arial" charset="0"/>
+              <a:buChar char="•"/>
+            </a:pPr>
+            <a:r>
+              <a:rPr lang="de-DE" dirty="0" smtClean="0"/>
+              <a:t>Ergebnisse aus den Methoden zur Ist-Analyse</a:t>
+            </a:r>
+          </a:p>
+          <a:p>
+            <a:pPr marL="1028700" lvl="1">
+              <a:buFont typeface="Arial" charset="0"/>
+              <a:buChar char="•"/>
+            </a:pPr>
+            <a:r>
+              <a:rPr lang="de-DE" dirty="0" smtClean="0"/>
+              <a:t>Dokument zur Dokumentation des Projektverlaufs</a:t>
+            </a:r>
+          </a:p>
+          <a:p>
+            <a:pPr marL="1028700" lvl="1">
+              <a:buFont typeface="Arial" charset="0"/>
+              <a:buChar char="•"/>
+            </a:pPr>
+            <a:r>
+              <a:rPr lang="de-DE" dirty="0" smtClean="0"/>
+              <a:t>Prototyp realisiert durch </a:t>
+            </a:r>
+            <a:r>
+              <a:rPr lang="de-DE" dirty="0" err="1" smtClean="0"/>
+              <a:t>Imperia</a:t>
+            </a:r>
+            <a:endParaRPr lang="de-DE" dirty="0" smtClean="0"/>
+          </a:p>
+          <a:p>
+            <a:pPr marL="1028700" lvl="1">
+              <a:buFont typeface="Arial" charset="0"/>
+              <a:buChar char="•"/>
+            </a:pPr>
+            <a:r>
+              <a:rPr lang="de-DE" dirty="0" smtClean="0"/>
+              <a:t>Ergebnisse des Nutzertestes</a:t>
+            </a:r>
+          </a:p>
+          <a:p>
+            <a:pPr marL="1028700" lvl="1">
+              <a:buFont typeface="Arial" charset="0"/>
+              <a:buChar char="•"/>
+            </a:pPr>
+            <a:r>
+              <a:rPr lang="de-DE" dirty="0" smtClean="0"/>
+              <a:t>Anforderungsdokument (inkl. Ergebnisse der angewandten Methoden)</a:t>
+            </a:r>
+          </a:p>
+          <a:p>
+            <a:pPr marL="285750" indent="-285750">
+              <a:buFont typeface="Arial" charset="0"/>
+              <a:buChar char="•"/>
+            </a:pPr>
+            <a:endParaRPr lang="de-DE" dirty="0" smtClean="0"/>
+          </a:p>
+          <a:p>
+            <a:pPr indent="0"/>
+            <a:endParaRPr lang="de-DE" dirty="0"/>
+          </a:p>
+          <a:p>
+            <a:pPr marL="285750" indent="-285750">
+              <a:buFont typeface="Arial" charset="0"/>
+              <a:buChar char="•"/>
+            </a:pPr>
+            <a:endParaRPr lang="de-DE" dirty="0" smtClean="0"/>
+          </a:p>
+          <a:p>
+            <a:pPr>
+              <a:buFont typeface="Arial" charset="0"/>
+              <a:buChar char="•"/>
+            </a:pPr>
+            <a:endParaRPr lang="de-DE" dirty="0" smtClean="0"/>
+          </a:p>
+          <a:p>
+            <a:pPr indent="0"/>
+            <a:endParaRPr lang="de-DE" dirty="0"/>
+          </a:p>
+        </p:txBody>
+      </p:sp>
+      <p:sp>
+        <p:nvSpPr>
+          <p:cNvPr id="4" name="Foliennummernplatzhalter 3"/>
+          <p:cNvSpPr>
+            <a:spLocks noGrp="1"/>
+          </p:cNvSpPr>
+          <p:nvPr>
+            <p:ph type="sldNum" sz="quarter" idx="11"/>
+          </p:nvPr>
+        </p:nvSpPr>
+        <p:spPr/>
+        <p:txBody>
+          <a:bodyPr/>
+          <a:lstStyle/>
+          <a:p>
+            <a:fld id="{1D15E316-D31A-4C08-AC2E-81A99B71FECA}" type="slidenum">
+              <a:rPr lang="de-DE" smtClean="0"/>
+              <a:t>7</a:t>
+            </a:fld>
+            <a:endParaRPr lang="de-DE"/>
+          </a:p>
+        </p:txBody>
+      </p:sp>
+    </p:spTree>
+    <p:extLst>
+      <p:ext uri="{BB962C8B-B14F-4D97-AF65-F5344CB8AC3E}">
+        <p14:creationId xmlns:p14="http://schemas.microsoft.com/office/powerpoint/2010/main" val="1715207829"/>
+      </p:ext>
+    </p:extLst>
+  </p:cSld>
+  <p:clrMapOvr>
+    <a:masterClrMapping/>
+  </p:clrMapOvr>
+</p:sld>
+</file>
+
 <file path=ppt/slides/slide8.xml><?xml version="1.0" encoding="utf-8"?>
 <p:sld xmlns:a="http://schemas.openxmlformats.org/drawingml/2006/main" xmlns:r="http://schemas.openxmlformats.org/officeDocument/2006/relationships" xmlns:p="http://schemas.openxmlformats.org/presentationml/2006/main">
   <p:cSld>
@@ -4411,158 +4574,8 @@
           <a:p>
             <a:r>
               <a:rPr lang="de-DE" dirty="0" smtClean="0"/>
-              <a:t>SRS-Dokument </a:t>
-            </a:r>
-            <a:endParaRPr lang="de-DE" dirty="0"/>
-          </a:p>
-        </p:txBody>
-      </p:sp>
-      <p:sp>
-        <p:nvSpPr>
-          <p:cNvPr id="3" name="Inhaltsplatzhalter 2"/>
-          <p:cNvSpPr>
-            <a:spLocks noGrp="1"/>
-          </p:cNvSpPr>
-          <p:nvPr>
-            <p:ph sz="half" idx="1"/>
-          </p:nvPr>
-        </p:nvSpPr>
-        <p:spPr>
-          <a:xfrm>
-            <a:off x="1331640" y="2348880"/>
-            <a:ext cx="7200800" cy="3960440"/>
-          </a:xfrm>
-        </p:spPr>
-        <p:txBody>
-          <a:bodyPr/>
-          <a:lstStyle/>
-          <a:p>
-            <a:pPr marL="285750" indent="-285750">
-              <a:buFont typeface="Arial" charset="0"/>
-              <a:buChar char="•"/>
-            </a:pPr>
-            <a:r>
-              <a:rPr lang="de-DE" sz="1800" dirty="0" smtClean="0"/>
-              <a:t>Ursprüngliches SRS-Template ungeeignet, da keine Software-Entwicklung</a:t>
-            </a:r>
-          </a:p>
-          <a:p>
-            <a:pPr marL="285750" indent="-285750">
-              <a:buFont typeface="Arial" charset="0"/>
-              <a:buChar char="•"/>
-            </a:pPr>
-            <a:r>
-              <a:rPr lang="de-DE" sz="1800" dirty="0" smtClean="0"/>
-              <a:t>Kombination SRS und CISU-R (Industriespezifikation für Usability)</a:t>
-            </a:r>
-          </a:p>
-          <a:p>
-            <a:pPr marL="1028700" lvl="1">
-              <a:buFont typeface="Symbol" charset="2"/>
-              <a:buChar char="Þ"/>
-            </a:pPr>
-            <a:r>
-              <a:rPr lang="de-DE" dirty="0" smtClean="0"/>
-              <a:t>Angemessene Definition der Projektziele und des geplanten Projektverlaufs</a:t>
-            </a:r>
-          </a:p>
-          <a:p>
-            <a:pPr indent="0"/>
-            <a:endParaRPr lang="de-DE" dirty="0" smtClean="0"/>
-          </a:p>
-          <a:p>
-            <a:pPr indent="0"/>
-            <a:endParaRPr lang="de-DE" dirty="0"/>
-          </a:p>
-          <a:p>
-            <a:pPr indent="0"/>
-            <a:r>
-              <a:rPr lang="de-DE" sz="1800" dirty="0" smtClean="0"/>
-              <a:t>Ziele des Projektes definiert durch SRS:</a:t>
-            </a:r>
-          </a:p>
-          <a:p>
-            <a:pPr marL="1028700" lvl="1">
-              <a:buFont typeface="Arial" charset="0"/>
-              <a:buChar char="•"/>
-            </a:pPr>
-            <a:r>
-              <a:rPr lang="de-DE" dirty="0" smtClean="0"/>
-              <a:t>Ergebnisse aus den Methoden zur Ist-Analyse</a:t>
-            </a:r>
-          </a:p>
-          <a:p>
-            <a:pPr marL="1028700" lvl="1">
-              <a:buFont typeface="Arial" charset="0"/>
-              <a:buChar char="•"/>
-            </a:pPr>
-            <a:r>
-              <a:rPr lang="de-DE" dirty="0" smtClean="0"/>
-              <a:t>Dokument zur Dokumentation des Projektverlaufs</a:t>
-            </a:r>
-          </a:p>
-          <a:p>
-            <a:pPr marL="1028700" lvl="1">
-              <a:buFont typeface="Arial" charset="0"/>
-              <a:buChar char="•"/>
-            </a:pPr>
-            <a:r>
-              <a:rPr lang="de-DE" dirty="0" smtClean="0"/>
-              <a:t>Prototyp realisiert durch </a:t>
-            </a:r>
-            <a:r>
-              <a:rPr lang="de-DE" dirty="0" err="1" smtClean="0"/>
-              <a:t>Imperia</a:t>
-            </a:r>
-            <a:endParaRPr lang="de-DE" dirty="0" smtClean="0"/>
-          </a:p>
-          <a:p>
-            <a:pPr marL="1028700" lvl="1">
-              <a:buFont typeface="Arial" charset="0"/>
-              <a:buChar char="•"/>
-            </a:pPr>
-            <a:r>
-              <a:rPr lang="de-DE" dirty="0" smtClean="0"/>
-              <a:t>Ergebnisse des Nutzertestes</a:t>
-            </a:r>
-          </a:p>
-          <a:p>
-            <a:pPr marL="1028700" lvl="1">
-              <a:buFont typeface="Arial" charset="0"/>
-              <a:buChar char="•"/>
-            </a:pPr>
-            <a:r>
-              <a:rPr lang="de-DE" dirty="0" smtClean="0"/>
-              <a:t>Anforderungsdokument (inkl. Ergebnisse der angewandten Methoden)</a:t>
-            </a:r>
-          </a:p>
-          <a:p>
-            <a:pPr marL="285750" indent="-285750">
-              <a:buFont typeface="Arial" charset="0"/>
-              <a:buChar char="•"/>
-            </a:pPr>
-            <a:endParaRPr lang="de-DE" dirty="0" smtClean="0"/>
-          </a:p>
-          <a:p>
-            <a:pPr indent="0"/>
-            <a:endParaRPr lang="de-DE" dirty="0"/>
-          </a:p>
-          <a:p>
-            <a:pPr marL="285750" indent="-285750">
-              <a:buFont typeface="Arial" charset="0"/>
-              <a:buChar char="•"/>
-            </a:pPr>
-            <a:endParaRPr lang="de-DE" dirty="0" smtClean="0"/>
-          </a:p>
-          <a:p>
-            <a:pPr>
-              <a:buFont typeface="Arial" charset="0"/>
-              <a:buChar char="•"/>
-            </a:pPr>
-            <a:endParaRPr lang="de-DE" dirty="0" smtClean="0"/>
-          </a:p>
-          <a:p>
-            <a:pPr indent="0"/>
+              <a:t>Nächste Schritte (bis Ende August) </a:t>
+            </a:r>
             <a:endParaRPr lang="de-DE" dirty="0"/>
           </a:p>
         </p:txBody>
@@ -4585,82 +4598,6 @@
             <a:fld id="{1D15E316-D31A-4C08-AC2E-81A99B71FECA}" type="slidenum">
               <a:rPr lang="de-DE" smtClean="0"/>
               <a:t>8</a:t>
-            </a:fld>
-            <a:endParaRPr lang="de-DE"/>
-          </a:p>
-        </p:txBody>
-      </p:sp>
-    </p:spTree>
-    <p:extLst>
-      <p:ext uri="{BB962C8B-B14F-4D97-AF65-F5344CB8AC3E}">
-        <p14:creationId xmlns:p14="http://schemas.microsoft.com/office/powerpoint/2010/main" val="1715207829"/>
-      </p:ext>
-    </p:extLst>
-  </p:cSld>
-  <p:clrMapOvr>
-    <a:masterClrMapping/>
-  </p:clrMapOvr>
-</p:sld>
-</file>
-
-<file path=ppt/slides/slide9.xml><?xml version="1.0" encoding="utf-8"?>
-<p:sld xmlns:a="http://schemas.openxmlformats.org/drawingml/2006/main" xmlns:r="http://schemas.openxmlformats.org/officeDocument/2006/relationships" xmlns:p="http://schemas.openxmlformats.org/presentationml/2006/main">
-  <p:cSld>
-    <p:spTree>
-      <p:nvGrpSpPr>
-        <p:cNvPr id="1" name=""/>
-        <p:cNvGrpSpPr/>
-        <p:nvPr/>
-      </p:nvGrpSpPr>
-      <p:grpSpPr>
-        <a:xfrm>
-          <a:off x="0" y="0"/>
-          <a:ext cx="0" cy="0"/>
-          <a:chOff x="0" y="0"/>
-          <a:chExt cx="0" cy="0"/>
-        </a:xfrm>
-      </p:grpSpPr>
-      <p:sp>
-        <p:nvSpPr>
-          <p:cNvPr id="2" name="Titel 1"/>
-          <p:cNvSpPr>
-            <a:spLocks noGrp="1"/>
-          </p:cNvSpPr>
-          <p:nvPr>
-            <p:ph type="title"/>
-          </p:nvPr>
-        </p:nvSpPr>
-        <p:spPr/>
-        <p:txBody>
-          <a:bodyPr/>
-          <a:lstStyle/>
-          <a:p>
-            <a:r>
-              <a:rPr lang="de-DE" dirty="0" smtClean="0"/>
-              <a:t>Nächste Schritte (bis Ende August) </a:t>
-            </a:r>
-            <a:endParaRPr lang="de-DE" dirty="0"/>
-          </a:p>
-        </p:txBody>
-      </p:sp>
-      <p:sp>
-        <p:nvSpPr>
-          <p:cNvPr id="4" name="Foliennummernplatzhalter 3"/>
-          <p:cNvSpPr>
-            <a:spLocks noGrp="1"/>
-          </p:cNvSpPr>
-          <p:nvPr>
-            <p:ph type="sldNum" sz="quarter" idx="11"/>
-          </p:nvPr>
-        </p:nvSpPr>
-        <p:spPr/>
-        <p:txBody>
-          <a:bodyPr/>
-          <a:lstStyle/>
-          <a:p>
-            <a:fld id="{1D15E316-D31A-4C08-AC2E-81A99B71FECA}" type="slidenum">
-              <a:rPr lang="de-DE" smtClean="0"/>
-              <a:t>9</a:t>
             </a:fld>
             <a:endParaRPr lang="de-DE"/>
           </a:p>

--- a/praesentationen/Zwischenpräsentation_Relaunch_RZ_28.7.15.pptx
+++ b/praesentationen/Zwischenpräsentation_Relaunch_RZ_28.7.15.pptx
@@ -233,7 +233,7 @@
             <a:fld id="{350B7780-B50B-474C-85C6-0B4009B6F014}" type="datetimeFigureOut">
               <a:rPr lang="de-DE" smtClean="0"/>
               <a:pPr/>
-              <a:t>27.07.15</a:t>
+              <a:t>27.07.2015</a:t>
             </a:fld>
             <a:endParaRPr lang="de-DE"/>
           </a:p>
@@ -405,7 +405,7 @@
             <a:fld id="{19FFB102-D3AF-431C-A902-ADE5B2A48608}" type="datetimeFigureOut">
               <a:rPr lang="de-DE" smtClean="0"/>
               <a:pPr/>
-              <a:t>27.07.15</a:t>
+              <a:t>27.07.2015</a:t>
             </a:fld>
             <a:endParaRPr lang="de-DE"/>
           </a:p>
@@ -3841,11 +3841,7 @@
             </a:r>
             <a:r>
               <a:rPr lang="de-DE" dirty="0" smtClean="0"/>
-              <a:t> </a:t>
-            </a:r>
-            <a:r>
-              <a:rPr lang="de-DE" dirty="0" smtClean="0"/>
-              <a:t>(Studenten) </a:t>
+              <a:t> (Studenten) </a:t>
             </a:r>
             <a:endParaRPr lang="de-DE" dirty="0"/>
           </a:p>
@@ -3893,7 +3889,6 @@
               <a:rPr lang="de-DE" dirty="0" smtClean="0"/>
               <a:t>Durchführung in allen Cafeterien der Universität Regensburg </a:t>
             </a:r>
-            <a:endParaRPr lang="de-DE" dirty="0" smtClean="0"/>
           </a:p>
           <a:p>
             <a:pPr marL="1028700" lvl="1">
@@ -3904,7 +3899,6 @@
               <a:rPr lang="de-DE" dirty="0" smtClean="0"/>
               <a:t>Abschließendes Interview </a:t>
             </a:r>
-            <a:endParaRPr lang="de-DE" dirty="0" smtClean="0"/>
           </a:p>
           <a:p>
             <a:pPr marL="1028700" lvl="1">
@@ -4138,11 +4132,15 @@
             </a:pPr>
             <a:r>
               <a:rPr lang="de-DE" dirty="0"/>
-              <a:t>6</a:t>
+              <a:t>5</a:t>
             </a:r>
             <a:r>
               <a:rPr lang="de-DE" dirty="0" smtClean="0"/>
-              <a:t> Teilnehmer</a:t>
+              <a:t> </a:t>
+            </a:r>
+            <a:r>
+              <a:rPr lang="de-DE" dirty="0" smtClean="0"/>
+              <a:t>Teilnehmer</a:t>
             </a:r>
           </a:p>
           <a:p>
@@ -4162,9 +4160,12 @@
             </a:pPr>
             <a:r>
               <a:rPr lang="de-DE" dirty="0" smtClean="0"/>
-              <a:t>Durchschnittsalter Jahre </a:t>
-            </a:r>
-            <a:endParaRPr lang="de-DE" dirty="0" smtClean="0"/>
+              <a:t>Abschließendes </a:t>
+            </a:r>
+            <a:r>
+              <a:rPr lang="de-DE" dirty="0" smtClean="0"/>
+              <a:t>Interview </a:t>
+            </a:r>
           </a:p>
           <a:p>
             <a:pPr marL="1028700" lvl="1">
@@ -4173,69 +4174,30 @@
             </a:pPr>
             <a:r>
               <a:rPr lang="de-DE" dirty="0" smtClean="0"/>
-              <a:t>Abschließendes Interview </a:t>
-            </a:r>
-            <a:endParaRPr lang="de-DE" dirty="0" smtClean="0"/>
+              <a:t>Mitarbeiter aus verschiedenen Aufgabenbereichen </a:t>
+            </a:r>
+            <a:endParaRPr lang="de-DE" sz="1800" dirty="0"/>
+          </a:p>
+          <a:p>
+            <a:pPr indent="0"/>
+            <a:endParaRPr lang="de-DE" sz="1800" dirty="0" smtClean="0"/>
+          </a:p>
+          <a:p>
+            <a:pPr indent="0"/>
+            <a:r>
+              <a:rPr lang="de-DE" sz="1800" dirty="0" smtClean="0"/>
+              <a:t>Ergebnisse </a:t>
+            </a:r>
           </a:p>
           <a:p>
             <a:pPr marL="1028700" lvl="1">
-              <a:buFont typeface="Arial" charset="0"/>
+              <a:buFont typeface="Arial" panose="020B0604020202020204" pitchFamily="34" charset="0"/>
               <a:buChar char="•"/>
             </a:pPr>
             <a:r>
               <a:rPr lang="de-DE" dirty="0" smtClean="0"/>
-              <a:t>Mitarbeiter aus verschiedenen Aufgabenbereichen </a:t>
-            </a:r>
-            <a:endParaRPr lang="de-DE" sz="1800" dirty="0"/>
-          </a:p>
-          <a:p>
-            <a:pPr indent="0"/>
-            <a:endParaRPr lang="de-DE" sz="1800" dirty="0" smtClean="0"/>
-          </a:p>
-          <a:p>
-            <a:pPr indent="0"/>
-            <a:r>
-              <a:rPr lang="de-DE" sz="1800" dirty="0" smtClean="0"/>
-              <a:t>Ergebnisse </a:t>
-            </a:r>
-          </a:p>
-          <a:p>
-            <a:pPr marL="1028700" lvl="1">
-              <a:buFont typeface="Arial" charset="0"/>
-              <a:buChar char="•"/>
-            </a:pPr>
-            <a:r>
-              <a:rPr lang="de-DE" dirty="0" smtClean="0"/>
-              <a:t>Passwort ändern und Geräteregistrierung am häufigsten verwendet </a:t>
-            </a:r>
-          </a:p>
-          <a:p>
-            <a:pPr marL="1028700" lvl="1">
-              <a:buFont typeface="Arial" charset="0"/>
-              <a:buChar char="•"/>
-            </a:pPr>
-            <a:r>
-              <a:rPr lang="de-DE" dirty="0" smtClean="0"/>
-              <a:t>Smartphone </a:t>
-            </a:r>
-            <a:r>
-              <a:rPr lang="de-DE" dirty="0" err="1"/>
-              <a:t>S</a:t>
-            </a:r>
-            <a:r>
-              <a:rPr lang="de-DE" dirty="0" err="1" smtClean="0"/>
-              <a:t>ync</a:t>
-            </a:r>
-            <a:r>
-              <a:rPr lang="de-DE" dirty="0" smtClean="0"/>
-              <a:t>, Linux, Apple on Campus selten verwendet </a:t>
-            </a:r>
-          </a:p>
-          <a:p>
-            <a:pPr marL="1028700" lvl="1">
-              <a:buFont typeface="Arial" charset="0"/>
-              <a:buChar char="•"/>
-            </a:pPr>
+              <a:t>Auswertung läuft noch</a:t>
+            </a:r>
             <a:endParaRPr lang="de-DE" dirty="0" smtClean="0"/>
           </a:p>
           <a:p>
